--- a/ppt 16-9/1314.神坐着为王.pptx
+++ b/ppt 16-9/1314.神坐着为王.pptx
@@ -5,7 +5,7 @@
     <p:sldMasterId id="2147483648" r:id="rId1"/>
   </p:sldMasterIdLst>
   <p:sldIdLst>
-    <p:sldId id="865" r:id="rId2"/>
+    <p:sldId id="866" r:id="rId2"/>
   </p:sldIdLst>
   <p:sldSz cx="12192000" cy="6858000"/>
   <p:notesSz cx="6858000" cy="9144000"/>
@@ -129,7 +129,7 @@
           <p:cNvPr id="2" name="标题 1">
             <a:extLst>
               <a:ext uri="{FF2B5EF4-FFF2-40B4-BE49-F238E27FC236}">
-                <a16:creationId xmlns:a16="http://schemas.microsoft.com/office/drawing/2014/main" id="{2871A6A5-2153-CBF7-2F9B-1CF9607FDAE2}"/>
+                <a16:creationId xmlns:a16="http://schemas.microsoft.com/office/drawing/2014/main" id="{228560ED-C921-00AE-B183-E7773280820C}"/>
               </a:ext>
             </a:extLst>
           </p:cNvPr>
@@ -166,7 +166,7 @@
           <p:cNvPr id="3" name="副标题 2">
             <a:extLst>
               <a:ext uri="{FF2B5EF4-FFF2-40B4-BE49-F238E27FC236}">
-                <a16:creationId xmlns:a16="http://schemas.microsoft.com/office/drawing/2014/main" id="{D9342CA8-90BC-422B-2D4F-3ECFB1FFBED2}"/>
+                <a16:creationId xmlns:a16="http://schemas.microsoft.com/office/drawing/2014/main" id="{38156194-8D0C-E7F3-D156-79BABDE01A50}"/>
               </a:ext>
             </a:extLst>
           </p:cNvPr>
@@ -236,7 +236,7 @@
           <p:cNvPr id="4" name="日期占位符 3">
             <a:extLst>
               <a:ext uri="{FF2B5EF4-FFF2-40B4-BE49-F238E27FC236}">
-                <a16:creationId xmlns:a16="http://schemas.microsoft.com/office/drawing/2014/main" id="{A8A40933-A2D7-2AC0-3B22-3BBE69F3BED5}"/>
+                <a16:creationId xmlns:a16="http://schemas.microsoft.com/office/drawing/2014/main" id="{9513CB15-FDBB-F33D-C356-D05F60A56F6F}"/>
               </a:ext>
             </a:extLst>
           </p:cNvPr>
@@ -252,7 +252,7 @@
           <a:bodyPr/>
           <a:lstStyle/>
           <a:p>
-            <a:fld id="{ED8C953A-CE4A-4C7C-A451-F5B13547B747}" type="datetimeFigureOut">
+            <a:fld id="{722D7831-0803-4CB1-BDD3-8CFA4295D796}" type="datetimeFigureOut">
               <a:rPr lang="zh-CN" altLang="en-US" smtClean="0"/>
               <a:t>2024/3/10</a:t>
             </a:fld>
@@ -265,7 +265,7 @@
           <p:cNvPr id="5" name="页脚占位符 4">
             <a:extLst>
               <a:ext uri="{FF2B5EF4-FFF2-40B4-BE49-F238E27FC236}">
-                <a16:creationId xmlns:a16="http://schemas.microsoft.com/office/drawing/2014/main" id="{8BE729EF-FC3B-DBD0-8D58-574970C52009}"/>
+                <a16:creationId xmlns:a16="http://schemas.microsoft.com/office/drawing/2014/main" id="{9C22D09F-56A4-6525-B7AE-263B48741049}"/>
               </a:ext>
             </a:extLst>
           </p:cNvPr>
@@ -290,7 +290,7 @@
           <p:cNvPr id="6" name="灯片编号占位符 5">
             <a:extLst>
               <a:ext uri="{FF2B5EF4-FFF2-40B4-BE49-F238E27FC236}">
-                <a16:creationId xmlns:a16="http://schemas.microsoft.com/office/drawing/2014/main" id="{C77DF54D-60D4-E7F6-5F23-7A8D9AC65B33}"/>
+                <a16:creationId xmlns:a16="http://schemas.microsoft.com/office/drawing/2014/main" id="{A98F3692-AC18-DA23-E49B-136F87AC2BEA}"/>
               </a:ext>
             </a:extLst>
           </p:cNvPr>
@@ -306,7 +306,7 @@
           <a:bodyPr/>
           <a:lstStyle/>
           <a:p>
-            <a:fld id="{C9ED70FD-E7A4-40A2-A957-EC0F13263778}" type="slidenum">
+            <a:fld id="{F20DEBB9-5403-4871-AAC6-1F43BC9924C8}" type="slidenum">
               <a:rPr lang="zh-CN" altLang="en-US" smtClean="0"/>
               <a:t>‹#›</a:t>
             </a:fld>
@@ -317,7 +317,7 @@
     </p:spTree>
     <p:extLst>
       <p:ext uri="{BB962C8B-B14F-4D97-AF65-F5344CB8AC3E}">
-        <p14:creationId xmlns:p14="http://schemas.microsoft.com/office/powerpoint/2010/main" val="2529738099"/>
+        <p14:creationId xmlns:p14="http://schemas.microsoft.com/office/powerpoint/2010/main" val="1474961856"/>
       </p:ext>
     </p:extLst>
   </p:cSld>
@@ -349,7 +349,7 @@
           <p:cNvPr id="2" name="标题 1">
             <a:extLst>
               <a:ext uri="{FF2B5EF4-FFF2-40B4-BE49-F238E27FC236}">
-                <a16:creationId xmlns:a16="http://schemas.microsoft.com/office/drawing/2014/main" id="{FA8CAC85-052B-F678-07E1-6F25DD7C59D6}"/>
+                <a16:creationId xmlns:a16="http://schemas.microsoft.com/office/drawing/2014/main" id="{F447D44F-5E5D-A7B9-BD5D-5DCC58D2D285}"/>
               </a:ext>
             </a:extLst>
           </p:cNvPr>
@@ -377,7 +377,7 @@
           <p:cNvPr id="3" name="竖排文字占位符 2">
             <a:extLst>
               <a:ext uri="{FF2B5EF4-FFF2-40B4-BE49-F238E27FC236}">
-                <a16:creationId xmlns:a16="http://schemas.microsoft.com/office/drawing/2014/main" id="{5BCEE90F-4607-AE3C-053F-D523D81E79BA}"/>
+                <a16:creationId xmlns:a16="http://schemas.microsoft.com/office/drawing/2014/main" id="{73654059-C213-BFED-D772-6D1A7AD4FD6F}"/>
               </a:ext>
             </a:extLst>
           </p:cNvPr>
@@ -434,7 +434,7 @@
           <p:cNvPr id="4" name="日期占位符 3">
             <a:extLst>
               <a:ext uri="{FF2B5EF4-FFF2-40B4-BE49-F238E27FC236}">
-                <a16:creationId xmlns:a16="http://schemas.microsoft.com/office/drawing/2014/main" id="{DE1DB46B-63F2-3058-9898-28F12A076801}"/>
+                <a16:creationId xmlns:a16="http://schemas.microsoft.com/office/drawing/2014/main" id="{1242B627-DF7D-C09D-2A4B-05FFF58444F6}"/>
               </a:ext>
             </a:extLst>
           </p:cNvPr>
@@ -450,7 +450,7 @@
           <a:bodyPr/>
           <a:lstStyle/>
           <a:p>
-            <a:fld id="{ED8C953A-CE4A-4C7C-A451-F5B13547B747}" type="datetimeFigureOut">
+            <a:fld id="{722D7831-0803-4CB1-BDD3-8CFA4295D796}" type="datetimeFigureOut">
               <a:rPr lang="zh-CN" altLang="en-US" smtClean="0"/>
               <a:t>2024/3/10</a:t>
             </a:fld>
@@ -463,7 +463,7 @@
           <p:cNvPr id="5" name="页脚占位符 4">
             <a:extLst>
               <a:ext uri="{FF2B5EF4-FFF2-40B4-BE49-F238E27FC236}">
-                <a16:creationId xmlns:a16="http://schemas.microsoft.com/office/drawing/2014/main" id="{826CEBC1-4F1C-801B-4116-E746E579D337}"/>
+                <a16:creationId xmlns:a16="http://schemas.microsoft.com/office/drawing/2014/main" id="{3C667F25-DD98-8B3F-07F5-BD53BDA3921B}"/>
               </a:ext>
             </a:extLst>
           </p:cNvPr>
@@ -488,7 +488,7 @@
           <p:cNvPr id="6" name="灯片编号占位符 5">
             <a:extLst>
               <a:ext uri="{FF2B5EF4-FFF2-40B4-BE49-F238E27FC236}">
-                <a16:creationId xmlns:a16="http://schemas.microsoft.com/office/drawing/2014/main" id="{37317BF7-FA66-42EF-0372-54FFB01570A4}"/>
+                <a16:creationId xmlns:a16="http://schemas.microsoft.com/office/drawing/2014/main" id="{0E428B92-2C6A-CEE4-AB73-8D0DB6FFE6E7}"/>
               </a:ext>
             </a:extLst>
           </p:cNvPr>
@@ -504,7 +504,7 @@
           <a:bodyPr/>
           <a:lstStyle/>
           <a:p>
-            <a:fld id="{C9ED70FD-E7A4-40A2-A957-EC0F13263778}" type="slidenum">
+            <a:fld id="{F20DEBB9-5403-4871-AAC6-1F43BC9924C8}" type="slidenum">
               <a:rPr lang="zh-CN" altLang="en-US" smtClean="0"/>
               <a:t>‹#›</a:t>
             </a:fld>
@@ -515,7 +515,7 @@
     </p:spTree>
     <p:extLst>
       <p:ext uri="{BB962C8B-B14F-4D97-AF65-F5344CB8AC3E}">
-        <p14:creationId xmlns:p14="http://schemas.microsoft.com/office/powerpoint/2010/main" val="2581396753"/>
+        <p14:creationId xmlns:p14="http://schemas.microsoft.com/office/powerpoint/2010/main" val="3496437834"/>
       </p:ext>
     </p:extLst>
   </p:cSld>
@@ -547,7 +547,7 @@
           <p:cNvPr id="2" name="竖排标题 1">
             <a:extLst>
               <a:ext uri="{FF2B5EF4-FFF2-40B4-BE49-F238E27FC236}">
-                <a16:creationId xmlns:a16="http://schemas.microsoft.com/office/drawing/2014/main" id="{2D40A03C-85E6-7591-8519-4E34CFB19B17}"/>
+                <a16:creationId xmlns:a16="http://schemas.microsoft.com/office/drawing/2014/main" id="{8F9B350E-BF23-7750-58E4-9F7B23F817F8}"/>
               </a:ext>
             </a:extLst>
           </p:cNvPr>
@@ -580,7 +580,7 @@
           <p:cNvPr id="3" name="竖排文字占位符 2">
             <a:extLst>
               <a:ext uri="{FF2B5EF4-FFF2-40B4-BE49-F238E27FC236}">
-                <a16:creationId xmlns:a16="http://schemas.microsoft.com/office/drawing/2014/main" id="{609B2B9F-FEC5-8B69-D4FE-40D492C5BED5}"/>
+                <a16:creationId xmlns:a16="http://schemas.microsoft.com/office/drawing/2014/main" id="{1CAA8A10-F203-AF49-03DB-F820F1334699}"/>
               </a:ext>
             </a:extLst>
           </p:cNvPr>
@@ -642,7 +642,7 @@
           <p:cNvPr id="4" name="日期占位符 3">
             <a:extLst>
               <a:ext uri="{FF2B5EF4-FFF2-40B4-BE49-F238E27FC236}">
-                <a16:creationId xmlns:a16="http://schemas.microsoft.com/office/drawing/2014/main" id="{73757ECD-83D3-CD01-5A86-C5863ABA2730}"/>
+                <a16:creationId xmlns:a16="http://schemas.microsoft.com/office/drawing/2014/main" id="{F1C77C93-B2AD-3C38-0DC2-373FFA6770EA}"/>
               </a:ext>
             </a:extLst>
           </p:cNvPr>
@@ -658,7 +658,7 @@
           <a:bodyPr/>
           <a:lstStyle/>
           <a:p>
-            <a:fld id="{ED8C953A-CE4A-4C7C-A451-F5B13547B747}" type="datetimeFigureOut">
+            <a:fld id="{722D7831-0803-4CB1-BDD3-8CFA4295D796}" type="datetimeFigureOut">
               <a:rPr lang="zh-CN" altLang="en-US" smtClean="0"/>
               <a:t>2024/3/10</a:t>
             </a:fld>
@@ -671,7 +671,7 @@
           <p:cNvPr id="5" name="页脚占位符 4">
             <a:extLst>
               <a:ext uri="{FF2B5EF4-FFF2-40B4-BE49-F238E27FC236}">
-                <a16:creationId xmlns:a16="http://schemas.microsoft.com/office/drawing/2014/main" id="{DBD380B7-E565-7582-F060-57D64A72EBCE}"/>
+                <a16:creationId xmlns:a16="http://schemas.microsoft.com/office/drawing/2014/main" id="{004749D6-F3C5-DDBF-10AF-CFE7A9DA1175}"/>
               </a:ext>
             </a:extLst>
           </p:cNvPr>
@@ -696,7 +696,7 @@
           <p:cNvPr id="6" name="灯片编号占位符 5">
             <a:extLst>
               <a:ext uri="{FF2B5EF4-FFF2-40B4-BE49-F238E27FC236}">
-                <a16:creationId xmlns:a16="http://schemas.microsoft.com/office/drawing/2014/main" id="{97DC1ED4-8B71-63E6-4E7A-62D72B558FB1}"/>
+                <a16:creationId xmlns:a16="http://schemas.microsoft.com/office/drawing/2014/main" id="{0D369D4F-79F7-6F8C-86D0-4F1F17D0DD63}"/>
               </a:ext>
             </a:extLst>
           </p:cNvPr>
@@ -712,7 +712,7 @@
           <a:bodyPr/>
           <a:lstStyle/>
           <a:p>
-            <a:fld id="{C9ED70FD-E7A4-40A2-A957-EC0F13263778}" type="slidenum">
+            <a:fld id="{F20DEBB9-5403-4871-AAC6-1F43BC9924C8}" type="slidenum">
               <a:rPr lang="zh-CN" altLang="en-US" smtClean="0"/>
               <a:t>‹#›</a:t>
             </a:fld>
@@ -723,7 +723,7 @@
     </p:spTree>
     <p:extLst>
       <p:ext uri="{BB962C8B-B14F-4D97-AF65-F5344CB8AC3E}">
-        <p14:creationId xmlns:p14="http://schemas.microsoft.com/office/powerpoint/2010/main" val="2697317064"/>
+        <p14:creationId xmlns:p14="http://schemas.microsoft.com/office/powerpoint/2010/main" val="1283988239"/>
       </p:ext>
     </p:extLst>
   </p:cSld>
@@ -755,7 +755,7 @@
           <p:cNvPr id="2" name="标题 1">
             <a:extLst>
               <a:ext uri="{FF2B5EF4-FFF2-40B4-BE49-F238E27FC236}">
-                <a16:creationId xmlns:a16="http://schemas.microsoft.com/office/drawing/2014/main" id="{066FEDD1-987D-0AF4-53BF-542A0C3525B0}"/>
+                <a16:creationId xmlns:a16="http://schemas.microsoft.com/office/drawing/2014/main" id="{F66CD582-A749-7E69-6637-F5C5D18B2CDD}"/>
               </a:ext>
             </a:extLst>
           </p:cNvPr>
@@ -783,7 +783,7 @@
           <p:cNvPr id="3" name="内容占位符 2">
             <a:extLst>
               <a:ext uri="{FF2B5EF4-FFF2-40B4-BE49-F238E27FC236}">
-                <a16:creationId xmlns:a16="http://schemas.microsoft.com/office/drawing/2014/main" id="{2E8AF02A-C338-6BEF-B144-F2E1C019D7BC}"/>
+                <a16:creationId xmlns:a16="http://schemas.microsoft.com/office/drawing/2014/main" id="{46A89FA2-9817-8321-DF68-1CAE9343D18A}"/>
               </a:ext>
             </a:extLst>
           </p:cNvPr>
@@ -840,7 +840,7 @@
           <p:cNvPr id="4" name="日期占位符 3">
             <a:extLst>
               <a:ext uri="{FF2B5EF4-FFF2-40B4-BE49-F238E27FC236}">
-                <a16:creationId xmlns:a16="http://schemas.microsoft.com/office/drawing/2014/main" id="{3AA56BD4-785A-31D0-5F78-EF53455CB9DB}"/>
+                <a16:creationId xmlns:a16="http://schemas.microsoft.com/office/drawing/2014/main" id="{49ABC024-E1C4-B366-52D1-B5E068CB20B8}"/>
               </a:ext>
             </a:extLst>
           </p:cNvPr>
@@ -856,7 +856,7 @@
           <a:bodyPr/>
           <a:lstStyle/>
           <a:p>
-            <a:fld id="{ED8C953A-CE4A-4C7C-A451-F5B13547B747}" type="datetimeFigureOut">
+            <a:fld id="{722D7831-0803-4CB1-BDD3-8CFA4295D796}" type="datetimeFigureOut">
               <a:rPr lang="zh-CN" altLang="en-US" smtClean="0"/>
               <a:t>2024/3/10</a:t>
             </a:fld>
@@ -869,7 +869,7 @@
           <p:cNvPr id="5" name="页脚占位符 4">
             <a:extLst>
               <a:ext uri="{FF2B5EF4-FFF2-40B4-BE49-F238E27FC236}">
-                <a16:creationId xmlns:a16="http://schemas.microsoft.com/office/drawing/2014/main" id="{8D0C0598-82D4-C129-EA2B-203DA6622F10}"/>
+                <a16:creationId xmlns:a16="http://schemas.microsoft.com/office/drawing/2014/main" id="{570A33BA-8C36-4C23-DF1C-27C396ACBEB7}"/>
               </a:ext>
             </a:extLst>
           </p:cNvPr>
@@ -894,7 +894,7 @@
           <p:cNvPr id="6" name="灯片编号占位符 5">
             <a:extLst>
               <a:ext uri="{FF2B5EF4-FFF2-40B4-BE49-F238E27FC236}">
-                <a16:creationId xmlns:a16="http://schemas.microsoft.com/office/drawing/2014/main" id="{F21C9485-EB66-1619-5DE3-42B69E8157B7}"/>
+                <a16:creationId xmlns:a16="http://schemas.microsoft.com/office/drawing/2014/main" id="{7816012E-98D1-8D3D-38A8-E78330B4F278}"/>
               </a:ext>
             </a:extLst>
           </p:cNvPr>
@@ -910,7 +910,7 @@
           <a:bodyPr/>
           <a:lstStyle/>
           <a:p>
-            <a:fld id="{C9ED70FD-E7A4-40A2-A957-EC0F13263778}" type="slidenum">
+            <a:fld id="{F20DEBB9-5403-4871-AAC6-1F43BC9924C8}" type="slidenum">
               <a:rPr lang="zh-CN" altLang="en-US" smtClean="0"/>
               <a:t>‹#›</a:t>
             </a:fld>
@@ -921,7 +921,7 @@
     </p:spTree>
     <p:extLst>
       <p:ext uri="{BB962C8B-B14F-4D97-AF65-F5344CB8AC3E}">
-        <p14:creationId xmlns:p14="http://schemas.microsoft.com/office/powerpoint/2010/main" val="3571071137"/>
+        <p14:creationId xmlns:p14="http://schemas.microsoft.com/office/powerpoint/2010/main" val="1377611204"/>
       </p:ext>
     </p:extLst>
   </p:cSld>
@@ -953,7 +953,7 @@
           <p:cNvPr id="2" name="标题 1">
             <a:extLst>
               <a:ext uri="{FF2B5EF4-FFF2-40B4-BE49-F238E27FC236}">
-                <a16:creationId xmlns:a16="http://schemas.microsoft.com/office/drawing/2014/main" id="{8A62E99E-91E1-303A-28D0-200D715B79A8}"/>
+                <a16:creationId xmlns:a16="http://schemas.microsoft.com/office/drawing/2014/main" id="{39E0B8B7-53DD-0BE6-F891-A50638A88823}"/>
               </a:ext>
             </a:extLst>
           </p:cNvPr>
@@ -990,7 +990,7 @@
           <p:cNvPr id="3" name="文本占位符 2">
             <a:extLst>
               <a:ext uri="{FF2B5EF4-FFF2-40B4-BE49-F238E27FC236}">
-                <a16:creationId xmlns:a16="http://schemas.microsoft.com/office/drawing/2014/main" id="{0B1FAC81-C206-0B1F-069C-7C21CD2D8B69}"/>
+                <a16:creationId xmlns:a16="http://schemas.microsoft.com/office/drawing/2014/main" id="{2C7D6BC8-40F3-E442-58D7-5714512E2D72}"/>
               </a:ext>
             </a:extLst>
           </p:cNvPr>
@@ -1115,7 +1115,7 @@
           <p:cNvPr id="4" name="日期占位符 3">
             <a:extLst>
               <a:ext uri="{FF2B5EF4-FFF2-40B4-BE49-F238E27FC236}">
-                <a16:creationId xmlns:a16="http://schemas.microsoft.com/office/drawing/2014/main" id="{09996A64-2169-B439-BB3A-7B98B4ABF6D9}"/>
+                <a16:creationId xmlns:a16="http://schemas.microsoft.com/office/drawing/2014/main" id="{0613F6FF-B36E-E883-E256-E2A3B69C0C58}"/>
               </a:ext>
             </a:extLst>
           </p:cNvPr>
@@ -1131,7 +1131,7 @@
           <a:bodyPr/>
           <a:lstStyle/>
           <a:p>
-            <a:fld id="{ED8C953A-CE4A-4C7C-A451-F5B13547B747}" type="datetimeFigureOut">
+            <a:fld id="{722D7831-0803-4CB1-BDD3-8CFA4295D796}" type="datetimeFigureOut">
               <a:rPr lang="zh-CN" altLang="en-US" smtClean="0"/>
               <a:t>2024/3/10</a:t>
             </a:fld>
@@ -1144,7 +1144,7 @@
           <p:cNvPr id="5" name="页脚占位符 4">
             <a:extLst>
               <a:ext uri="{FF2B5EF4-FFF2-40B4-BE49-F238E27FC236}">
-                <a16:creationId xmlns:a16="http://schemas.microsoft.com/office/drawing/2014/main" id="{9AB4A6A4-285E-1E2D-6115-361E4FF356FA}"/>
+                <a16:creationId xmlns:a16="http://schemas.microsoft.com/office/drawing/2014/main" id="{B55B113C-C7F0-045A-6E5E-474726FB2FE0}"/>
               </a:ext>
             </a:extLst>
           </p:cNvPr>
@@ -1169,7 +1169,7 @@
           <p:cNvPr id="6" name="灯片编号占位符 5">
             <a:extLst>
               <a:ext uri="{FF2B5EF4-FFF2-40B4-BE49-F238E27FC236}">
-                <a16:creationId xmlns:a16="http://schemas.microsoft.com/office/drawing/2014/main" id="{7E08D8E7-F514-6D79-275A-6DB5CE69529D}"/>
+                <a16:creationId xmlns:a16="http://schemas.microsoft.com/office/drawing/2014/main" id="{DCE87F22-7E4B-5CD2-0E52-B5F35A7A2FEF}"/>
               </a:ext>
             </a:extLst>
           </p:cNvPr>
@@ -1185,7 +1185,7 @@
           <a:bodyPr/>
           <a:lstStyle/>
           <a:p>
-            <a:fld id="{C9ED70FD-E7A4-40A2-A957-EC0F13263778}" type="slidenum">
+            <a:fld id="{F20DEBB9-5403-4871-AAC6-1F43BC9924C8}" type="slidenum">
               <a:rPr lang="zh-CN" altLang="en-US" smtClean="0"/>
               <a:t>‹#›</a:t>
             </a:fld>
@@ -1196,7 +1196,7 @@
     </p:spTree>
     <p:extLst>
       <p:ext uri="{BB962C8B-B14F-4D97-AF65-F5344CB8AC3E}">
-        <p14:creationId xmlns:p14="http://schemas.microsoft.com/office/powerpoint/2010/main" val="3214029966"/>
+        <p14:creationId xmlns:p14="http://schemas.microsoft.com/office/powerpoint/2010/main" val="790434172"/>
       </p:ext>
     </p:extLst>
   </p:cSld>
@@ -1228,7 +1228,7 @@
           <p:cNvPr id="2" name="标题 1">
             <a:extLst>
               <a:ext uri="{FF2B5EF4-FFF2-40B4-BE49-F238E27FC236}">
-                <a16:creationId xmlns:a16="http://schemas.microsoft.com/office/drawing/2014/main" id="{AD5C5E20-8BCA-D841-305B-9FE06FDD0C40}"/>
+                <a16:creationId xmlns:a16="http://schemas.microsoft.com/office/drawing/2014/main" id="{19D2BF27-2396-1753-A9F3-5E1C8143F807}"/>
               </a:ext>
             </a:extLst>
           </p:cNvPr>
@@ -1256,7 +1256,7 @@
           <p:cNvPr id="3" name="内容占位符 2">
             <a:extLst>
               <a:ext uri="{FF2B5EF4-FFF2-40B4-BE49-F238E27FC236}">
-                <a16:creationId xmlns:a16="http://schemas.microsoft.com/office/drawing/2014/main" id="{4B62FB3D-D0CD-A6EE-C688-97361290B2A5}"/>
+                <a16:creationId xmlns:a16="http://schemas.microsoft.com/office/drawing/2014/main" id="{7379CDB6-BD78-BBB0-D924-B9ED3DB5110C}"/>
               </a:ext>
             </a:extLst>
           </p:cNvPr>
@@ -1318,7 +1318,7 @@
           <p:cNvPr id="4" name="内容占位符 3">
             <a:extLst>
               <a:ext uri="{FF2B5EF4-FFF2-40B4-BE49-F238E27FC236}">
-                <a16:creationId xmlns:a16="http://schemas.microsoft.com/office/drawing/2014/main" id="{A0832636-BDB8-87F8-88F9-46C4E128ECC7}"/>
+                <a16:creationId xmlns:a16="http://schemas.microsoft.com/office/drawing/2014/main" id="{0CFFE8D7-648A-ADA9-90E3-6AFD6F20E7EE}"/>
               </a:ext>
             </a:extLst>
           </p:cNvPr>
@@ -1380,7 +1380,7 @@
           <p:cNvPr id="5" name="日期占位符 4">
             <a:extLst>
               <a:ext uri="{FF2B5EF4-FFF2-40B4-BE49-F238E27FC236}">
-                <a16:creationId xmlns:a16="http://schemas.microsoft.com/office/drawing/2014/main" id="{10322BDD-B7E4-9264-431C-B69C0B09DC81}"/>
+                <a16:creationId xmlns:a16="http://schemas.microsoft.com/office/drawing/2014/main" id="{614D4950-7F4A-2241-7E23-643263561C09}"/>
               </a:ext>
             </a:extLst>
           </p:cNvPr>
@@ -1396,7 +1396,7 @@
           <a:bodyPr/>
           <a:lstStyle/>
           <a:p>
-            <a:fld id="{ED8C953A-CE4A-4C7C-A451-F5B13547B747}" type="datetimeFigureOut">
+            <a:fld id="{722D7831-0803-4CB1-BDD3-8CFA4295D796}" type="datetimeFigureOut">
               <a:rPr lang="zh-CN" altLang="en-US" smtClean="0"/>
               <a:t>2024/3/10</a:t>
             </a:fld>
@@ -1409,7 +1409,7 @@
           <p:cNvPr id="6" name="页脚占位符 5">
             <a:extLst>
               <a:ext uri="{FF2B5EF4-FFF2-40B4-BE49-F238E27FC236}">
-                <a16:creationId xmlns:a16="http://schemas.microsoft.com/office/drawing/2014/main" id="{F3214FBC-1ADF-5231-F88C-1BD2D9A1E405}"/>
+                <a16:creationId xmlns:a16="http://schemas.microsoft.com/office/drawing/2014/main" id="{40827C96-1B4D-F149-1A16-E0B4E50E8971}"/>
               </a:ext>
             </a:extLst>
           </p:cNvPr>
@@ -1434,7 +1434,7 @@
           <p:cNvPr id="7" name="灯片编号占位符 6">
             <a:extLst>
               <a:ext uri="{FF2B5EF4-FFF2-40B4-BE49-F238E27FC236}">
-                <a16:creationId xmlns:a16="http://schemas.microsoft.com/office/drawing/2014/main" id="{C7E7A990-7368-339B-CDA1-2D5D531DFB51}"/>
+                <a16:creationId xmlns:a16="http://schemas.microsoft.com/office/drawing/2014/main" id="{5842BE56-52CA-8809-72EB-5274150E243B}"/>
               </a:ext>
             </a:extLst>
           </p:cNvPr>
@@ -1450,7 +1450,7 @@
           <a:bodyPr/>
           <a:lstStyle/>
           <a:p>
-            <a:fld id="{C9ED70FD-E7A4-40A2-A957-EC0F13263778}" type="slidenum">
+            <a:fld id="{F20DEBB9-5403-4871-AAC6-1F43BC9924C8}" type="slidenum">
               <a:rPr lang="zh-CN" altLang="en-US" smtClean="0"/>
               <a:t>‹#›</a:t>
             </a:fld>
@@ -1461,7 +1461,7 @@
     </p:spTree>
     <p:extLst>
       <p:ext uri="{BB962C8B-B14F-4D97-AF65-F5344CB8AC3E}">
-        <p14:creationId xmlns:p14="http://schemas.microsoft.com/office/powerpoint/2010/main" val="2178425772"/>
+        <p14:creationId xmlns:p14="http://schemas.microsoft.com/office/powerpoint/2010/main" val="983859456"/>
       </p:ext>
     </p:extLst>
   </p:cSld>
@@ -1493,7 +1493,7 @@
           <p:cNvPr id="2" name="标题 1">
             <a:extLst>
               <a:ext uri="{FF2B5EF4-FFF2-40B4-BE49-F238E27FC236}">
-                <a16:creationId xmlns:a16="http://schemas.microsoft.com/office/drawing/2014/main" id="{952EEE26-C072-D9FF-03D3-ADD8728C6CF9}"/>
+                <a16:creationId xmlns:a16="http://schemas.microsoft.com/office/drawing/2014/main" id="{76BA2839-5B5A-9632-A9B1-83BAD588B1F4}"/>
               </a:ext>
             </a:extLst>
           </p:cNvPr>
@@ -1526,7 +1526,7 @@
           <p:cNvPr id="3" name="文本占位符 2">
             <a:extLst>
               <a:ext uri="{FF2B5EF4-FFF2-40B4-BE49-F238E27FC236}">
-                <a16:creationId xmlns:a16="http://schemas.microsoft.com/office/drawing/2014/main" id="{15E9A6EE-64FF-7213-4F04-F3908A0A8F19}"/>
+                <a16:creationId xmlns:a16="http://schemas.microsoft.com/office/drawing/2014/main" id="{03D9F72D-3212-FED0-F450-E3C3CD07A478}"/>
               </a:ext>
             </a:extLst>
           </p:cNvPr>
@@ -1597,7 +1597,7 @@
           <p:cNvPr id="4" name="内容占位符 3">
             <a:extLst>
               <a:ext uri="{FF2B5EF4-FFF2-40B4-BE49-F238E27FC236}">
-                <a16:creationId xmlns:a16="http://schemas.microsoft.com/office/drawing/2014/main" id="{D0595C75-4BFF-0AD2-3658-1E9D64E0447F}"/>
+                <a16:creationId xmlns:a16="http://schemas.microsoft.com/office/drawing/2014/main" id="{CA5D3D07-6855-506C-9919-B98BCEBFF2DE}"/>
               </a:ext>
             </a:extLst>
           </p:cNvPr>
@@ -1659,7 +1659,7 @@
           <p:cNvPr id="5" name="文本占位符 4">
             <a:extLst>
               <a:ext uri="{FF2B5EF4-FFF2-40B4-BE49-F238E27FC236}">
-                <a16:creationId xmlns:a16="http://schemas.microsoft.com/office/drawing/2014/main" id="{17910E46-D432-C34C-8572-ED869A3C243A}"/>
+                <a16:creationId xmlns:a16="http://schemas.microsoft.com/office/drawing/2014/main" id="{3E1078BE-FF40-2FD8-3102-FCEC99CEFFA7}"/>
               </a:ext>
             </a:extLst>
           </p:cNvPr>
@@ -1730,7 +1730,7 @@
           <p:cNvPr id="6" name="内容占位符 5">
             <a:extLst>
               <a:ext uri="{FF2B5EF4-FFF2-40B4-BE49-F238E27FC236}">
-                <a16:creationId xmlns:a16="http://schemas.microsoft.com/office/drawing/2014/main" id="{9F195691-F515-E326-EC09-3FFF36BFFAEE}"/>
+                <a16:creationId xmlns:a16="http://schemas.microsoft.com/office/drawing/2014/main" id="{9C73F0C3-DF14-B54F-DAAB-23FFF0B05C75}"/>
               </a:ext>
             </a:extLst>
           </p:cNvPr>
@@ -1792,7 +1792,7 @@
           <p:cNvPr id="7" name="日期占位符 6">
             <a:extLst>
               <a:ext uri="{FF2B5EF4-FFF2-40B4-BE49-F238E27FC236}">
-                <a16:creationId xmlns:a16="http://schemas.microsoft.com/office/drawing/2014/main" id="{22C72D2F-4C46-D5E3-A309-7661F2A0AD25}"/>
+                <a16:creationId xmlns:a16="http://schemas.microsoft.com/office/drawing/2014/main" id="{FD99D20B-106A-D89A-8034-4B6819CCFA00}"/>
               </a:ext>
             </a:extLst>
           </p:cNvPr>
@@ -1808,7 +1808,7 @@
           <a:bodyPr/>
           <a:lstStyle/>
           <a:p>
-            <a:fld id="{ED8C953A-CE4A-4C7C-A451-F5B13547B747}" type="datetimeFigureOut">
+            <a:fld id="{722D7831-0803-4CB1-BDD3-8CFA4295D796}" type="datetimeFigureOut">
               <a:rPr lang="zh-CN" altLang="en-US" smtClean="0"/>
               <a:t>2024/3/10</a:t>
             </a:fld>
@@ -1821,7 +1821,7 @@
           <p:cNvPr id="8" name="页脚占位符 7">
             <a:extLst>
               <a:ext uri="{FF2B5EF4-FFF2-40B4-BE49-F238E27FC236}">
-                <a16:creationId xmlns:a16="http://schemas.microsoft.com/office/drawing/2014/main" id="{4BA8D2D2-8352-0543-20DA-35C8F7F778DF}"/>
+                <a16:creationId xmlns:a16="http://schemas.microsoft.com/office/drawing/2014/main" id="{A27164CD-CE41-8242-094D-111C7E3830A4}"/>
               </a:ext>
             </a:extLst>
           </p:cNvPr>
@@ -1846,7 +1846,7 @@
           <p:cNvPr id="9" name="灯片编号占位符 8">
             <a:extLst>
               <a:ext uri="{FF2B5EF4-FFF2-40B4-BE49-F238E27FC236}">
-                <a16:creationId xmlns:a16="http://schemas.microsoft.com/office/drawing/2014/main" id="{712C042E-3811-2765-F7E3-FB6F4756D276}"/>
+                <a16:creationId xmlns:a16="http://schemas.microsoft.com/office/drawing/2014/main" id="{6C371B27-1728-3F02-C33F-58EFDDFE98C6}"/>
               </a:ext>
             </a:extLst>
           </p:cNvPr>
@@ -1862,7 +1862,7 @@
           <a:bodyPr/>
           <a:lstStyle/>
           <a:p>
-            <a:fld id="{C9ED70FD-E7A4-40A2-A957-EC0F13263778}" type="slidenum">
+            <a:fld id="{F20DEBB9-5403-4871-AAC6-1F43BC9924C8}" type="slidenum">
               <a:rPr lang="zh-CN" altLang="en-US" smtClean="0"/>
               <a:t>‹#›</a:t>
             </a:fld>
@@ -1873,7 +1873,7 @@
     </p:spTree>
     <p:extLst>
       <p:ext uri="{BB962C8B-B14F-4D97-AF65-F5344CB8AC3E}">
-        <p14:creationId xmlns:p14="http://schemas.microsoft.com/office/powerpoint/2010/main" val="2034141222"/>
+        <p14:creationId xmlns:p14="http://schemas.microsoft.com/office/powerpoint/2010/main" val="130153757"/>
       </p:ext>
     </p:extLst>
   </p:cSld>
@@ -1905,7 +1905,7 @@
           <p:cNvPr id="2" name="标题 1">
             <a:extLst>
               <a:ext uri="{FF2B5EF4-FFF2-40B4-BE49-F238E27FC236}">
-                <a16:creationId xmlns:a16="http://schemas.microsoft.com/office/drawing/2014/main" id="{0F8E9089-61FB-5803-95FF-E4413CCEBD39}"/>
+                <a16:creationId xmlns:a16="http://schemas.microsoft.com/office/drawing/2014/main" id="{609A9D41-3E56-F663-283E-A4FBD37BC7D9}"/>
               </a:ext>
             </a:extLst>
           </p:cNvPr>
@@ -1933,7 +1933,7 @@
           <p:cNvPr id="3" name="日期占位符 2">
             <a:extLst>
               <a:ext uri="{FF2B5EF4-FFF2-40B4-BE49-F238E27FC236}">
-                <a16:creationId xmlns:a16="http://schemas.microsoft.com/office/drawing/2014/main" id="{506D12AD-512C-F40B-6B75-3470F0C91C59}"/>
+                <a16:creationId xmlns:a16="http://schemas.microsoft.com/office/drawing/2014/main" id="{83A7D32D-4BD5-9EE2-0BE3-603ED7951B3A}"/>
               </a:ext>
             </a:extLst>
           </p:cNvPr>
@@ -1949,7 +1949,7 @@
           <a:bodyPr/>
           <a:lstStyle/>
           <a:p>
-            <a:fld id="{ED8C953A-CE4A-4C7C-A451-F5B13547B747}" type="datetimeFigureOut">
+            <a:fld id="{722D7831-0803-4CB1-BDD3-8CFA4295D796}" type="datetimeFigureOut">
               <a:rPr lang="zh-CN" altLang="en-US" smtClean="0"/>
               <a:t>2024/3/10</a:t>
             </a:fld>
@@ -1962,7 +1962,7 @@
           <p:cNvPr id="4" name="页脚占位符 3">
             <a:extLst>
               <a:ext uri="{FF2B5EF4-FFF2-40B4-BE49-F238E27FC236}">
-                <a16:creationId xmlns:a16="http://schemas.microsoft.com/office/drawing/2014/main" id="{66B230A7-11D5-9215-54B5-6DD4323420C2}"/>
+                <a16:creationId xmlns:a16="http://schemas.microsoft.com/office/drawing/2014/main" id="{EA9E28F2-EC52-6A0B-23F5-455CD3ECC7BD}"/>
               </a:ext>
             </a:extLst>
           </p:cNvPr>
@@ -1987,7 +1987,7 @@
           <p:cNvPr id="5" name="灯片编号占位符 4">
             <a:extLst>
               <a:ext uri="{FF2B5EF4-FFF2-40B4-BE49-F238E27FC236}">
-                <a16:creationId xmlns:a16="http://schemas.microsoft.com/office/drawing/2014/main" id="{6ACEB550-5094-5142-2E79-083462170E35}"/>
+                <a16:creationId xmlns:a16="http://schemas.microsoft.com/office/drawing/2014/main" id="{D99B6F89-A2A7-2D7B-2FD1-B2A938B93839}"/>
               </a:ext>
             </a:extLst>
           </p:cNvPr>
@@ -2003,7 +2003,7 @@
           <a:bodyPr/>
           <a:lstStyle/>
           <a:p>
-            <a:fld id="{C9ED70FD-E7A4-40A2-A957-EC0F13263778}" type="slidenum">
+            <a:fld id="{F20DEBB9-5403-4871-AAC6-1F43BC9924C8}" type="slidenum">
               <a:rPr lang="zh-CN" altLang="en-US" smtClean="0"/>
               <a:t>‹#›</a:t>
             </a:fld>
@@ -2014,7 +2014,7 @@
     </p:spTree>
     <p:extLst>
       <p:ext uri="{BB962C8B-B14F-4D97-AF65-F5344CB8AC3E}">
-        <p14:creationId xmlns:p14="http://schemas.microsoft.com/office/powerpoint/2010/main" val="319209025"/>
+        <p14:creationId xmlns:p14="http://schemas.microsoft.com/office/powerpoint/2010/main" val="476215339"/>
       </p:ext>
     </p:extLst>
   </p:cSld>
@@ -2046,7 +2046,7 @@
           <p:cNvPr id="2" name="日期占位符 1">
             <a:extLst>
               <a:ext uri="{FF2B5EF4-FFF2-40B4-BE49-F238E27FC236}">
-                <a16:creationId xmlns:a16="http://schemas.microsoft.com/office/drawing/2014/main" id="{45406784-5409-0977-62A0-DBEF3F8D6248}"/>
+                <a16:creationId xmlns:a16="http://schemas.microsoft.com/office/drawing/2014/main" id="{316BE56E-D010-73CF-5DBD-FC6ACFECE46D}"/>
               </a:ext>
             </a:extLst>
           </p:cNvPr>
@@ -2062,7 +2062,7 @@
           <a:bodyPr/>
           <a:lstStyle/>
           <a:p>
-            <a:fld id="{ED8C953A-CE4A-4C7C-A451-F5B13547B747}" type="datetimeFigureOut">
+            <a:fld id="{722D7831-0803-4CB1-BDD3-8CFA4295D796}" type="datetimeFigureOut">
               <a:rPr lang="zh-CN" altLang="en-US" smtClean="0"/>
               <a:t>2024/3/10</a:t>
             </a:fld>
@@ -2075,7 +2075,7 @@
           <p:cNvPr id="3" name="页脚占位符 2">
             <a:extLst>
               <a:ext uri="{FF2B5EF4-FFF2-40B4-BE49-F238E27FC236}">
-                <a16:creationId xmlns:a16="http://schemas.microsoft.com/office/drawing/2014/main" id="{15DF99B4-769D-20EC-E732-13C672A444E9}"/>
+                <a16:creationId xmlns:a16="http://schemas.microsoft.com/office/drawing/2014/main" id="{C7879345-5738-711D-2928-98D35FD4CD1F}"/>
               </a:ext>
             </a:extLst>
           </p:cNvPr>
@@ -2100,7 +2100,7 @@
           <p:cNvPr id="4" name="灯片编号占位符 3">
             <a:extLst>
               <a:ext uri="{FF2B5EF4-FFF2-40B4-BE49-F238E27FC236}">
-                <a16:creationId xmlns:a16="http://schemas.microsoft.com/office/drawing/2014/main" id="{C0B61096-D9E5-5242-8E37-C49D1D6D1452}"/>
+                <a16:creationId xmlns:a16="http://schemas.microsoft.com/office/drawing/2014/main" id="{AC29DEB2-86F1-AD6E-53DA-6762D5FA463D}"/>
               </a:ext>
             </a:extLst>
           </p:cNvPr>
@@ -2116,7 +2116,7 @@
           <a:bodyPr/>
           <a:lstStyle/>
           <a:p>
-            <a:fld id="{C9ED70FD-E7A4-40A2-A957-EC0F13263778}" type="slidenum">
+            <a:fld id="{F20DEBB9-5403-4871-AAC6-1F43BC9924C8}" type="slidenum">
               <a:rPr lang="zh-CN" altLang="en-US" smtClean="0"/>
               <a:t>‹#›</a:t>
             </a:fld>
@@ -2127,7 +2127,7 @@
     </p:spTree>
     <p:extLst>
       <p:ext uri="{BB962C8B-B14F-4D97-AF65-F5344CB8AC3E}">
-        <p14:creationId xmlns:p14="http://schemas.microsoft.com/office/powerpoint/2010/main" val="1349992903"/>
+        <p14:creationId xmlns:p14="http://schemas.microsoft.com/office/powerpoint/2010/main" val="2146608343"/>
       </p:ext>
     </p:extLst>
   </p:cSld>
@@ -2159,7 +2159,7 @@
           <p:cNvPr id="2" name="标题 1">
             <a:extLst>
               <a:ext uri="{FF2B5EF4-FFF2-40B4-BE49-F238E27FC236}">
-                <a16:creationId xmlns:a16="http://schemas.microsoft.com/office/drawing/2014/main" id="{0DD7E061-2D1B-1CBB-C2A6-8CC378691A86}"/>
+                <a16:creationId xmlns:a16="http://schemas.microsoft.com/office/drawing/2014/main" id="{BAD63AEB-7BEE-EB99-AA1C-6B2AC563F4B4}"/>
               </a:ext>
             </a:extLst>
           </p:cNvPr>
@@ -2196,7 +2196,7 @@
           <p:cNvPr id="3" name="内容占位符 2">
             <a:extLst>
               <a:ext uri="{FF2B5EF4-FFF2-40B4-BE49-F238E27FC236}">
-                <a16:creationId xmlns:a16="http://schemas.microsoft.com/office/drawing/2014/main" id="{8CA7C0E2-F97C-8AFA-D66C-9CADDB32D3B3}"/>
+                <a16:creationId xmlns:a16="http://schemas.microsoft.com/office/drawing/2014/main" id="{B0EBAD75-FBEA-3788-DF0D-4CB8DE424780}"/>
               </a:ext>
             </a:extLst>
           </p:cNvPr>
@@ -2286,7 +2286,7 @@
           <p:cNvPr id="4" name="文本占位符 3">
             <a:extLst>
               <a:ext uri="{FF2B5EF4-FFF2-40B4-BE49-F238E27FC236}">
-                <a16:creationId xmlns:a16="http://schemas.microsoft.com/office/drawing/2014/main" id="{37C366C5-0ABE-E24F-E437-88CE1B0E0CB2}"/>
+                <a16:creationId xmlns:a16="http://schemas.microsoft.com/office/drawing/2014/main" id="{8B2D207E-B6F1-427B-489C-069199FE1A05}"/>
               </a:ext>
             </a:extLst>
           </p:cNvPr>
@@ -2357,7 +2357,7 @@
           <p:cNvPr id="5" name="日期占位符 4">
             <a:extLst>
               <a:ext uri="{FF2B5EF4-FFF2-40B4-BE49-F238E27FC236}">
-                <a16:creationId xmlns:a16="http://schemas.microsoft.com/office/drawing/2014/main" id="{D5B051D7-CB14-8B05-BA8B-CB4FC7B9B47A}"/>
+                <a16:creationId xmlns:a16="http://schemas.microsoft.com/office/drawing/2014/main" id="{1B061CAC-EEEC-D38C-3899-4CC44F1B3276}"/>
               </a:ext>
             </a:extLst>
           </p:cNvPr>
@@ -2373,7 +2373,7 @@
           <a:bodyPr/>
           <a:lstStyle/>
           <a:p>
-            <a:fld id="{ED8C953A-CE4A-4C7C-A451-F5B13547B747}" type="datetimeFigureOut">
+            <a:fld id="{722D7831-0803-4CB1-BDD3-8CFA4295D796}" type="datetimeFigureOut">
               <a:rPr lang="zh-CN" altLang="en-US" smtClean="0"/>
               <a:t>2024/3/10</a:t>
             </a:fld>
@@ -2386,7 +2386,7 @@
           <p:cNvPr id="6" name="页脚占位符 5">
             <a:extLst>
               <a:ext uri="{FF2B5EF4-FFF2-40B4-BE49-F238E27FC236}">
-                <a16:creationId xmlns:a16="http://schemas.microsoft.com/office/drawing/2014/main" id="{6908F07F-59DC-CD98-CAE9-59E8A940EEFA}"/>
+                <a16:creationId xmlns:a16="http://schemas.microsoft.com/office/drawing/2014/main" id="{6DB66A75-5CC1-CF0F-FF41-110D7531C454}"/>
               </a:ext>
             </a:extLst>
           </p:cNvPr>
@@ -2411,7 +2411,7 @@
           <p:cNvPr id="7" name="灯片编号占位符 6">
             <a:extLst>
               <a:ext uri="{FF2B5EF4-FFF2-40B4-BE49-F238E27FC236}">
-                <a16:creationId xmlns:a16="http://schemas.microsoft.com/office/drawing/2014/main" id="{E000F0D4-4CD2-20E7-2D19-C8328ED55DF1}"/>
+                <a16:creationId xmlns:a16="http://schemas.microsoft.com/office/drawing/2014/main" id="{5205FCF9-520A-DA5F-46A1-6CCFC1833A8C}"/>
               </a:ext>
             </a:extLst>
           </p:cNvPr>
@@ -2427,7 +2427,7 @@
           <a:bodyPr/>
           <a:lstStyle/>
           <a:p>
-            <a:fld id="{C9ED70FD-E7A4-40A2-A957-EC0F13263778}" type="slidenum">
+            <a:fld id="{F20DEBB9-5403-4871-AAC6-1F43BC9924C8}" type="slidenum">
               <a:rPr lang="zh-CN" altLang="en-US" smtClean="0"/>
               <a:t>‹#›</a:t>
             </a:fld>
@@ -2438,7 +2438,7 @@
     </p:spTree>
     <p:extLst>
       <p:ext uri="{BB962C8B-B14F-4D97-AF65-F5344CB8AC3E}">
-        <p14:creationId xmlns:p14="http://schemas.microsoft.com/office/powerpoint/2010/main" val="2478850551"/>
+        <p14:creationId xmlns:p14="http://schemas.microsoft.com/office/powerpoint/2010/main" val="4171013186"/>
       </p:ext>
     </p:extLst>
   </p:cSld>
@@ -2470,7 +2470,7 @@
           <p:cNvPr id="2" name="标题 1">
             <a:extLst>
               <a:ext uri="{FF2B5EF4-FFF2-40B4-BE49-F238E27FC236}">
-                <a16:creationId xmlns:a16="http://schemas.microsoft.com/office/drawing/2014/main" id="{21935C48-F9F7-8664-EAF4-9B331D31CC67}"/>
+                <a16:creationId xmlns:a16="http://schemas.microsoft.com/office/drawing/2014/main" id="{343C6F63-A8A5-C739-52C0-1E2EFD04D15C}"/>
               </a:ext>
             </a:extLst>
           </p:cNvPr>
@@ -2507,7 +2507,7 @@
           <p:cNvPr id="3" name="图片占位符 2">
             <a:extLst>
               <a:ext uri="{FF2B5EF4-FFF2-40B4-BE49-F238E27FC236}">
-                <a16:creationId xmlns:a16="http://schemas.microsoft.com/office/drawing/2014/main" id="{A21E27B3-2C7B-0CF8-0A33-DAB8B0991BC5}"/>
+                <a16:creationId xmlns:a16="http://schemas.microsoft.com/office/drawing/2014/main" id="{63EC37CE-4067-8EF7-E93D-8C93D617B0CA}"/>
               </a:ext>
             </a:extLst>
           </p:cNvPr>
@@ -2574,7 +2574,7 @@
           <p:cNvPr id="4" name="文本占位符 3">
             <a:extLst>
               <a:ext uri="{FF2B5EF4-FFF2-40B4-BE49-F238E27FC236}">
-                <a16:creationId xmlns:a16="http://schemas.microsoft.com/office/drawing/2014/main" id="{CD919E9D-656B-8DD9-2747-53B2823DAD4C}"/>
+                <a16:creationId xmlns:a16="http://schemas.microsoft.com/office/drawing/2014/main" id="{1F2A1B47-A0EE-6F05-E928-8FAEA8B60697}"/>
               </a:ext>
             </a:extLst>
           </p:cNvPr>
@@ -2645,7 +2645,7 @@
           <p:cNvPr id="5" name="日期占位符 4">
             <a:extLst>
               <a:ext uri="{FF2B5EF4-FFF2-40B4-BE49-F238E27FC236}">
-                <a16:creationId xmlns:a16="http://schemas.microsoft.com/office/drawing/2014/main" id="{4B783D05-32CD-C43E-2EF6-2377DD4B3D00}"/>
+                <a16:creationId xmlns:a16="http://schemas.microsoft.com/office/drawing/2014/main" id="{B5682CF4-64F9-37BC-BBA1-4926BF2D3194}"/>
               </a:ext>
             </a:extLst>
           </p:cNvPr>
@@ -2661,7 +2661,7 @@
           <a:bodyPr/>
           <a:lstStyle/>
           <a:p>
-            <a:fld id="{ED8C953A-CE4A-4C7C-A451-F5B13547B747}" type="datetimeFigureOut">
+            <a:fld id="{722D7831-0803-4CB1-BDD3-8CFA4295D796}" type="datetimeFigureOut">
               <a:rPr lang="zh-CN" altLang="en-US" smtClean="0"/>
               <a:t>2024/3/10</a:t>
             </a:fld>
@@ -2674,7 +2674,7 @@
           <p:cNvPr id="6" name="页脚占位符 5">
             <a:extLst>
               <a:ext uri="{FF2B5EF4-FFF2-40B4-BE49-F238E27FC236}">
-                <a16:creationId xmlns:a16="http://schemas.microsoft.com/office/drawing/2014/main" id="{CF0C6C6B-C2CB-3D64-B6A4-2037FEDB91E0}"/>
+                <a16:creationId xmlns:a16="http://schemas.microsoft.com/office/drawing/2014/main" id="{D3B8777A-5856-AE26-F8F3-B79AA5370D1F}"/>
               </a:ext>
             </a:extLst>
           </p:cNvPr>
@@ -2699,7 +2699,7 @@
           <p:cNvPr id="7" name="灯片编号占位符 6">
             <a:extLst>
               <a:ext uri="{FF2B5EF4-FFF2-40B4-BE49-F238E27FC236}">
-                <a16:creationId xmlns:a16="http://schemas.microsoft.com/office/drawing/2014/main" id="{F0EAFEE8-C3F6-A1EC-CAFC-F5B620A90D66}"/>
+                <a16:creationId xmlns:a16="http://schemas.microsoft.com/office/drawing/2014/main" id="{221CA5A7-C03D-CE87-1D58-CFAE100FB04B}"/>
               </a:ext>
             </a:extLst>
           </p:cNvPr>
@@ -2715,7 +2715,7 @@
           <a:bodyPr/>
           <a:lstStyle/>
           <a:p>
-            <a:fld id="{C9ED70FD-E7A4-40A2-A957-EC0F13263778}" type="slidenum">
+            <a:fld id="{F20DEBB9-5403-4871-AAC6-1F43BC9924C8}" type="slidenum">
               <a:rPr lang="zh-CN" altLang="en-US" smtClean="0"/>
               <a:t>‹#›</a:t>
             </a:fld>
@@ -2726,7 +2726,7 @@
     </p:spTree>
     <p:extLst>
       <p:ext uri="{BB962C8B-B14F-4D97-AF65-F5344CB8AC3E}">
-        <p14:creationId xmlns:p14="http://schemas.microsoft.com/office/powerpoint/2010/main" val="1487499570"/>
+        <p14:creationId xmlns:p14="http://schemas.microsoft.com/office/powerpoint/2010/main" val="2111859314"/>
       </p:ext>
     </p:extLst>
   </p:cSld>
@@ -2763,7 +2763,7 @@
           <p:cNvPr id="2" name="标题占位符 1">
             <a:extLst>
               <a:ext uri="{FF2B5EF4-FFF2-40B4-BE49-F238E27FC236}">
-                <a16:creationId xmlns:a16="http://schemas.microsoft.com/office/drawing/2014/main" id="{59D0ACD7-515B-E2C9-B1AE-29CF1211B870}"/>
+                <a16:creationId xmlns:a16="http://schemas.microsoft.com/office/drawing/2014/main" id="{4C92BC9E-16FA-E370-F8B6-AC685E5BE1AD}"/>
               </a:ext>
             </a:extLst>
           </p:cNvPr>
@@ -2801,7 +2801,7 @@
           <p:cNvPr id="3" name="文本占位符 2">
             <a:extLst>
               <a:ext uri="{FF2B5EF4-FFF2-40B4-BE49-F238E27FC236}">
-                <a16:creationId xmlns:a16="http://schemas.microsoft.com/office/drawing/2014/main" id="{8447FB33-DD63-AFA5-4C0F-524572CA8D9E}"/>
+                <a16:creationId xmlns:a16="http://schemas.microsoft.com/office/drawing/2014/main" id="{14F9361A-08EF-D5B9-43E7-DDE66BCE85B7}"/>
               </a:ext>
             </a:extLst>
           </p:cNvPr>
@@ -2868,7 +2868,7 @@
           <p:cNvPr id="4" name="日期占位符 3">
             <a:extLst>
               <a:ext uri="{FF2B5EF4-FFF2-40B4-BE49-F238E27FC236}">
-                <a16:creationId xmlns:a16="http://schemas.microsoft.com/office/drawing/2014/main" id="{A441EB65-6A1F-B260-2DCC-A7D347C75F67}"/>
+                <a16:creationId xmlns:a16="http://schemas.microsoft.com/office/drawing/2014/main" id="{EB936869-BF23-FABC-77CF-D24E342D8A62}"/>
               </a:ext>
             </a:extLst>
           </p:cNvPr>
@@ -2902,7 +2902,7 @@
             </a:lvl1pPr>
           </a:lstStyle>
           <a:p>
-            <a:fld id="{ED8C953A-CE4A-4C7C-A451-F5B13547B747}" type="datetimeFigureOut">
+            <a:fld id="{722D7831-0803-4CB1-BDD3-8CFA4295D796}" type="datetimeFigureOut">
               <a:rPr lang="zh-CN" altLang="en-US" smtClean="0"/>
               <a:t>2024/3/10</a:t>
             </a:fld>
@@ -2915,7 +2915,7 @@
           <p:cNvPr id="5" name="页脚占位符 4">
             <a:extLst>
               <a:ext uri="{FF2B5EF4-FFF2-40B4-BE49-F238E27FC236}">
-                <a16:creationId xmlns:a16="http://schemas.microsoft.com/office/drawing/2014/main" id="{BB4BC8FB-8034-0C48-A14B-3DBA8679109C}"/>
+                <a16:creationId xmlns:a16="http://schemas.microsoft.com/office/drawing/2014/main" id="{F35219EC-9B90-CDD9-88B6-E97CD63BDA5D}"/>
               </a:ext>
             </a:extLst>
           </p:cNvPr>
@@ -2958,7 +2958,7 @@
           <p:cNvPr id="6" name="灯片编号占位符 5">
             <a:extLst>
               <a:ext uri="{FF2B5EF4-FFF2-40B4-BE49-F238E27FC236}">
-                <a16:creationId xmlns:a16="http://schemas.microsoft.com/office/drawing/2014/main" id="{422154DB-39EC-1590-4CAB-C9DFB317B8C6}"/>
+                <a16:creationId xmlns:a16="http://schemas.microsoft.com/office/drawing/2014/main" id="{0A54A9F9-2A1F-6F39-A512-62C627F96D4E}"/>
               </a:ext>
             </a:extLst>
           </p:cNvPr>
@@ -2992,7 +2992,7 @@
             </a:lvl1pPr>
           </a:lstStyle>
           <a:p>
-            <a:fld id="{C9ED70FD-E7A4-40A2-A957-EC0F13263778}" type="slidenum">
+            <a:fld id="{F20DEBB9-5403-4871-AAC6-1F43BC9924C8}" type="slidenum">
               <a:rPr lang="zh-CN" altLang="en-US" smtClean="0"/>
               <a:t>‹#›</a:t>
             </a:fld>
@@ -3003,7 +3003,7 @@
     </p:spTree>
     <p:extLst>
       <p:ext uri="{BB962C8B-B14F-4D97-AF65-F5344CB8AC3E}">
-        <p14:creationId xmlns:p14="http://schemas.microsoft.com/office/powerpoint/2010/main" val="69446764"/>
+        <p14:creationId xmlns:p14="http://schemas.microsoft.com/office/powerpoint/2010/main" val="3877165083"/>
       </p:ext>
     </p:extLst>
   </p:cSld>
@@ -3323,7 +3323,7 @@
       </p:grpSpPr>
       <p:pic>
         <p:nvPicPr>
-          <p:cNvPr id="1345538" name="Picture 2" descr="1313"/>
+          <p:cNvPr id="1346562" name="Picture 2" descr="1314"/>
           <p:cNvPicPr>
             <a:picLocks noChangeAspect="1" noChangeArrowheads="1"/>
           </p:cNvPicPr>
@@ -3344,8 +3344,8 @@
         </p:blipFill>
         <p:spPr bwMode="auto">
           <a:xfrm>
-            <a:off x="1524000" y="0"/>
-            <a:ext cx="9144000" cy="6165850"/>
+            <a:off x="1524001" y="0"/>
+            <a:ext cx="9053513" cy="6789738"/>
           </a:xfrm>
           <a:prstGeom prst="rect">
             <a:avLst/>
